--- a/agape retreat/chris.pptx
+++ b/agape retreat/chris.pptx
@@ -2,7 +2,7 @@
 <file path=ppt/presentation.xml><?xml version="1.0" encoding="utf-8"?>
 <p:presentation xmlns:a="http://schemas.openxmlformats.org/drawingml/2006/main" xmlns:r="http://schemas.openxmlformats.org/officeDocument/2006/relationships" xmlns:p="http://schemas.openxmlformats.org/presentationml/2006/main" saveSubsetFonts="1">
   <p:sldMasterIdLst>
-    <p:sldMasterId id="2147483648" r:id="rId1"/>
+    <p:sldMasterId id="2147483661" r:id="rId1"/>
   </p:sldMasterIdLst>
   <p:sldIdLst>
     <p:sldId id="256" r:id="rId2"/>
@@ -126,6 +126,11 @@
       </a:defRPr>
     </a:lvl9pPr>
   </p:defaultTextStyle>
+  <p:extLst>
+    <p:ext uri="{EFAFB233-063F-42B5-8137-9DF3F51BA10A}">
+      <p15:sldGuideLst xmlns:p15="http://schemas.microsoft.com/office/powerpoint/2012/main"/>
+    </p:ext>
+  </p:extLst>
 </p:presentation>
 </file>
 
@@ -148,13 +153,7 @@
       </p:grpSpPr>
       <p:sp>
         <p:nvSpPr>
-          <p:cNvPr id="2" name="Title 1">
-            <a:extLst>
-              <a:ext uri="{FF2B5EF4-FFF2-40B4-BE49-F238E27FC236}">
-                <a16:creationId xmlns:a16="http://schemas.microsoft.com/office/drawing/2014/main" id="{D9F1F8B5-4380-403C-BB08-DAA3160FB6E2}"/>
-              </a:ext>
-            </a:extLst>
-          </p:cNvPr>
+          <p:cNvPr id="2" name="Title 1"/>
           <p:cNvSpPr>
             <a:spLocks noGrp="1"/>
           </p:cNvSpPr>
@@ -180,18 +179,13 @@
               <a:rPr lang="en-US"/>
               <a:t>Click to edit Master title style</a:t>
             </a:r>
-          </a:p>
-        </p:txBody>
-      </p:sp>
-      <p:sp>
-        <p:nvSpPr>
-          <p:cNvPr id="3" name="Subtitle 2">
-            <a:extLst>
-              <a:ext uri="{FF2B5EF4-FFF2-40B4-BE49-F238E27FC236}">
-                <a16:creationId xmlns:a16="http://schemas.microsoft.com/office/drawing/2014/main" id="{195A35EE-2F50-43DC-A064-1A746151BAAE}"/>
-              </a:ext>
-            </a:extLst>
-          </p:cNvPr>
+            <a:endParaRPr lang="en-US" dirty="0"/>
+          </a:p>
+        </p:txBody>
+      </p:sp>
+      <p:sp>
+        <p:nvSpPr>
+          <p:cNvPr id="3" name="Subtitle 2"/>
           <p:cNvSpPr>
             <a:spLocks noGrp="1"/>
           </p:cNvSpPr>
@@ -250,18 +244,13 @@
               <a:rPr lang="en-US"/>
               <a:t>Click to edit Master subtitle style</a:t>
             </a:r>
-          </a:p>
-        </p:txBody>
-      </p:sp>
-      <p:sp>
-        <p:nvSpPr>
-          <p:cNvPr id="4" name="Date Placeholder 3">
-            <a:extLst>
-              <a:ext uri="{FF2B5EF4-FFF2-40B4-BE49-F238E27FC236}">
-                <a16:creationId xmlns:a16="http://schemas.microsoft.com/office/drawing/2014/main" id="{216D8502-BDF5-43A8-9DC8-7F252E93D7D8}"/>
-              </a:ext>
-            </a:extLst>
-          </p:cNvPr>
+            <a:endParaRPr lang="en-US" dirty="0"/>
+          </a:p>
+        </p:txBody>
+      </p:sp>
+      <p:sp>
+        <p:nvSpPr>
+          <p:cNvPr id="4" name="Date Placeholder 3"/>
           <p:cNvSpPr>
             <a:spLocks noGrp="1"/>
           </p:cNvSpPr>
@@ -276,7 +265,7 @@
           <a:p>
             <a:fld id="{5022A402-46C0-41EE-8B73-14108316878B}" type="datetimeFigureOut">
               <a:rPr lang="en-US" smtClean="0"/>
-              <a:t>7/3/2018</a:t>
+              <a:t>7/7/18</a:t>
             </a:fld>
             <a:endParaRPr lang="en-US"/>
           </a:p>
@@ -284,13 +273,7 @@
       </p:sp>
       <p:sp>
         <p:nvSpPr>
-          <p:cNvPr id="5" name="Footer Placeholder 4">
-            <a:extLst>
-              <a:ext uri="{FF2B5EF4-FFF2-40B4-BE49-F238E27FC236}">
-                <a16:creationId xmlns:a16="http://schemas.microsoft.com/office/drawing/2014/main" id="{34551133-B054-42D5-A635-B2DC0293D4EB}"/>
-              </a:ext>
-            </a:extLst>
-          </p:cNvPr>
+          <p:cNvPr id="5" name="Footer Placeholder 4"/>
           <p:cNvSpPr>
             <a:spLocks noGrp="1"/>
           </p:cNvSpPr>
@@ -309,13 +292,7 @@
       </p:sp>
       <p:sp>
         <p:nvSpPr>
-          <p:cNvPr id="6" name="Slide Number Placeholder 5">
-            <a:extLst>
-              <a:ext uri="{FF2B5EF4-FFF2-40B4-BE49-F238E27FC236}">
-                <a16:creationId xmlns:a16="http://schemas.microsoft.com/office/drawing/2014/main" id="{40F3B4FA-0A70-4553-8C05-156A345E47B0}"/>
-              </a:ext>
-            </a:extLst>
-          </p:cNvPr>
+          <p:cNvPr id="6" name="Slide Number Placeholder 5"/>
           <p:cNvSpPr>
             <a:spLocks noGrp="1"/>
           </p:cNvSpPr>
@@ -339,7 +316,7 @@
     </p:spTree>
     <p:extLst>
       <p:ext uri="{BB962C8B-B14F-4D97-AF65-F5344CB8AC3E}">
-        <p14:creationId xmlns:p14="http://schemas.microsoft.com/office/powerpoint/2010/main" val="3546804392"/>
+        <p14:creationId xmlns:p14="http://schemas.microsoft.com/office/powerpoint/2010/main" val="3096123715"/>
       </p:ext>
     </p:extLst>
   </p:cSld>
@@ -368,13 +345,7 @@
       </p:grpSpPr>
       <p:sp>
         <p:nvSpPr>
-          <p:cNvPr id="2" name="Title 1">
-            <a:extLst>
-              <a:ext uri="{FF2B5EF4-FFF2-40B4-BE49-F238E27FC236}">
-                <a16:creationId xmlns:a16="http://schemas.microsoft.com/office/drawing/2014/main" id="{4F1208A5-BAC3-432E-9237-2E6D41D5E979}"/>
-              </a:ext>
-            </a:extLst>
-          </p:cNvPr>
+          <p:cNvPr id="2" name="Title 1"/>
           <p:cNvSpPr>
             <a:spLocks noGrp="1"/>
           </p:cNvSpPr>
@@ -391,18 +362,13 @@
               <a:rPr lang="en-US"/>
               <a:t>Click to edit Master title style</a:t>
             </a:r>
-          </a:p>
-        </p:txBody>
-      </p:sp>
-      <p:sp>
-        <p:nvSpPr>
-          <p:cNvPr id="3" name="Vertical Text Placeholder 2">
-            <a:extLst>
-              <a:ext uri="{FF2B5EF4-FFF2-40B4-BE49-F238E27FC236}">
-                <a16:creationId xmlns:a16="http://schemas.microsoft.com/office/drawing/2014/main" id="{192894F6-C878-4D59-9BC9-F2C2479B7BCA}"/>
-              </a:ext>
-            </a:extLst>
-          </p:cNvPr>
+            <a:endParaRPr lang="en-US" dirty="0"/>
+          </a:p>
+        </p:txBody>
+      </p:sp>
+      <p:sp>
+        <p:nvSpPr>
+          <p:cNvPr id="3" name="Vertical Text Placeholder 2"/>
           <p:cNvSpPr>
             <a:spLocks noGrp="1"/>
           </p:cNvSpPr>
@@ -448,18 +414,13 @@
               <a:rPr lang="en-US"/>
               <a:t>Fifth level</a:t>
             </a:r>
-          </a:p>
-        </p:txBody>
-      </p:sp>
-      <p:sp>
-        <p:nvSpPr>
-          <p:cNvPr id="4" name="Date Placeholder 3">
-            <a:extLst>
-              <a:ext uri="{FF2B5EF4-FFF2-40B4-BE49-F238E27FC236}">
-                <a16:creationId xmlns:a16="http://schemas.microsoft.com/office/drawing/2014/main" id="{C351B338-D207-4009-BD23-3B5F122D8B8E}"/>
-              </a:ext>
-            </a:extLst>
-          </p:cNvPr>
+            <a:endParaRPr lang="en-US" dirty="0"/>
+          </a:p>
+        </p:txBody>
+      </p:sp>
+      <p:sp>
+        <p:nvSpPr>
+          <p:cNvPr id="4" name="Date Placeholder 3"/>
           <p:cNvSpPr>
             <a:spLocks noGrp="1"/>
           </p:cNvSpPr>
@@ -474,7 +435,7 @@
           <a:p>
             <a:fld id="{5022A402-46C0-41EE-8B73-14108316878B}" type="datetimeFigureOut">
               <a:rPr lang="en-US" smtClean="0"/>
-              <a:t>7/3/2018</a:t>
+              <a:t>7/7/18</a:t>
             </a:fld>
             <a:endParaRPr lang="en-US"/>
           </a:p>
@@ -482,13 +443,7 @@
       </p:sp>
       <p:sp>
         <p:nvSpPr>
-          <p:cNvPr id="5" name="Footer Placeholder 4">
-            <a:extLst>
-              <a:ext uri="{FF2B5EF4-FFF2-40B4-BE49-F238E27FC236}">
-                <a16:creationId xmlns:a16="http://schemas.microsoft.com/office/drawing/2014/main" id="{97906193-F679-43E2-87A9-26496AAA9145}"/>
-              </a:ext>
-            </a:extLst>
-          </p:cNvPr>
+          <p:cNvPr id="5" name="Footer Placeholder 4"/>
           <p:cNvSpPr>
             <a:spLocks noGrp="1"/>
           </p:cNvSpPr>
@@ -507,13 +462,7 @@
       </p:sp>
       <p:sp>
         <p:nvSpPr>
-          <p:cNvPr id="6" name="Slide Number Placeholder 5">
-            <a:extLst>
-              <a:ext uri="{FF2B5EF4-FFF2-40B4-BE49-F238E27FC236}">
-                <a16:creationId xmlns:a16="http://schemas.microsoft.com/office/drawing/2014/main" id="{430FC804-729D-40B4-8C14-BA0B6F250D96}"/>
-              </a:ext>
-            </a:extLst>
-          </p:cNvPr>
+          <p:cNvPr id="6" name="Slide Number Placeholder 5"/>
           <p:cNvSpPr>
             <a:spLocks noGrp="1"/>
           </p:cNvSpPr>
@@ -537,7 +486,7 @@
     </p:spTree>
     <p:extLst>
       <p:ext uri="{BB962C8B-B14F-4D97-AF65-F5344CB8AC3E}">
-        <p14:creationId xmlns:p14="http://schemas.microsoft.com/office/powerpoint/2010/main" val="4289951465"/>
+        <p14:creationId xmlns:p14="http://schemas.microsoft.com/office/powerpoint/2010/main" val="1878083293"/>
       </p:ext>
     </p:extLst>
   </p:cSld>
@@ -566,13 +515,7 @@
       </p:grpSpPr>
       <p:sp>
         <p:nvSpPr>
-          <p:cNvPr id="2" name="Vertical Title 1">
-            <a:extLst>
-              <a:ext uri="{FF2B5EF4-FFF2-40B4-BE49-F238E27FC236}">
-                <a16:creationId xmlns:a16="http://schemas.microsoft.com/office/drawing/2014/main" id="{F4BA999E-747D-4E53-835B-01054CBF6D00}"/>
-              </a:ext>
-            </a:extLst>
-          </p:cNvPr>
+          <p:cNvPr id="2" name="Vertical Title 1"/>
           <p:cNvSpPr>
             <a:spLocks noGrp="1"/>
           </p:cNvSpPr>
@@ -594,18 +537,13 @@
               <a:rPr lang="en-US"/>
               <a:t>Click to edit Master title style</a:t>
             </a:r>
-          </a:p>
-        </p:txBody>
-      </p:sp>
-      <p:sp>
-        <p:nvSpPr>
-          <p:cNvPr id="3" name="Vertical Text Placeholder 2">
-            <a:extLst>
-              <a:ext uri="{FF2B5EF4-FFF2-40B4-BE49-F238E27FC236}">
-                <a16:creationId xmlns:a16="http://schemas.microsoft.com/office/drawing/2014/main" id="{10038455-C3FB-4A09-80F3-8B66E8BFB085}"/>
-              </a:ext>
-            </a:extLst>
-          </p:cNvPr>
+            <a:endParaRPr lang="en-US" dirty="0"/>
+          </a:p>
+        </p:txBody>
+      </p:sp>
+      <p:sp>
+        <p:nvSpPr>
+          <p:cNvPr id="3" name="Vertical Text Placeholder 2"/>
           <p:cNvSpPr>
             <a:spLocks noGrp="1"/>
           </p:cNvSpPr>
@@ -656,18 +594,13 @@
               <a:rPr lang="en-US"/>
               <a:t>Fifth level</a:t>
             </a:r>
-          </a:p>
-        </p:txBody>
-      </p:sp>
-      <p:sp>
-        <p:nvSpPr>
-          <p:cNvPr id="4" name="Date Placeholder 3">
-            <a:extLst>
-              <a:ext uri="{FF2B5EF4-FFF2-40B4-BE49-F238E27FC236}">
-                <a16:creationId xmlns:a16="http://schemas.microsoft.com/office/drawing/2014/main" id="{9ABF3AD3-56C3-4480-B63C-D5868551AA91}"/>
-              </a:ext>
-            </a:extLst>
-          </p:cNvPr>
+            <a:endParaRPr lang="en-US" dirty="0"/>
+          </a:p>
+        </p:txBody>
+      </p:sp>
+      <p:sp>
+        <p:nvSpPr>
+          <p:cNvPr id="4" name="Date Placeholder 3"/>
           <p:cNvSpPr>
             <a:spLocks noGrp="1"/>
           </p:cNvSpPr>
@@ -682,7 +615,7 @@
           <a:p>
             <a:fld id="{5022A402-46C0-41EE-8B73-14108316878B}" type="datetimeFigureOut">
               <a:rPr lang="en-US" smtClean="0"/>
-              <a:t>7/3/2018</a:t>
+              <a:t>7/7/18</a:t>
             </a:fld>
             <a:endParaRPr lang="en-US"/>
           </a:p>
@@ -690,13 +623,7 @@
       </p:sp>
       <p:sp>
         <p:nvSpPr>
-          <p:cNvPr id="5" name="Footer Placeholder 4">
-            <a:extLst>
-              <a:ext uri="{FF2B5EF4-FFF2-40B4-BE49-F238E27FC236}">
-                <a16:creationId xmlns:a16="http://schemas.microsoft.com/office/drawing/2014/main" id="{F2F795AE-3A5B-4364-9C69-55E5D12477AA}"/>
-              </a:ext>
-            </a:extLst>
-          </p:cNvPr>
+          <p:cNvPr id="5" name="Footer Placeholder 4"/>
           <p:cNvSpPr>
             <a:spLocks noGrp="1"/>
           </p:cNvSpPr>
@@ -715,13 +642,7 @@
       </p:sp>
       <p:sp>
         <p:nvSpPr>
-          <p:cNvPr id="6" name="Slide Number Placeholder 5">
-            <a:extLst>
-              <a:ext uri="{FF2B5EF4-FFF2-40B4-BE49-F238E27FC236}">
-                <a16:creationId xmlns:a16="http://schemas.microsoft.com/office/drawing/2014/main" id="{9C2B4AA5-E1B7-4925-9B3A-F3F47DBAC3F5}"/>
-              </a:ext>
-            </a:extLst>
-          </p:cNvPr>
+          <p:cNvPr id="6" name="Slide Number Placeholder 5"/>
           <p:cNvSpPr>
             <a:spLocks noGrp="1"/>
           </p:cNvSpPr>
@@ -745,7 +666,7 @@
     </p:spTree>
     <p:extLst>
       <p:ext uri="{BB962C8B-B14F-4D97-AF65-F5344CB8AC3E}">
-        <p14:creationId xmlns:p14="http://schemas.microsoft.com/office/powerpoint/2010/main" val="3516539294"/>
+        <p14:creationId xmlns:p14="http://schemas.microsoft.com/office/powerpoint/2010/main" val="3266451795"/>
       </p:ext>
     </p:extLst>
   </p:cSld>
@@ -756,7 +677,7 @@
 </file>
 
 <file path=ppt/slideLayouts/slideLayout12.xml><?xml version="1.0" encoding="utf-8"?>
-<p:sldLayout xmlns:a="http://schemas.openxmlformats.org/drawingml/2006/main" xmlns:r="http://schemas.openxmlformats.org/officeDocument/2006/relationships" xmlns:p="http://schemas.openxmlformats.org/presentationml/2006/main" type="tx" preserve="1">
+<p:sldLayout xmlns:a="http://schemas.openxmlformats.org/drawingml/2006/main" xmlns:r="http://schemas.openxmlformats.org/officeDocument/2006/relationships" xmlns:p="http://schemas.openxmlformats.org/presentationml/2006/main" type="tx">
   <p:cSld name="Title and Text">
     <p:spTree>
       <p:nvGrpSpPr>
@@ -791,10 +712,16 @@
         <p:spPr/>
         <p:txBody>
           <a:bodyPr/>
-          <a:lstStyle/>
-          <a:p>
-            <a:r>
-              <a:rPr lang="en-US"/>
+          <a:lstStyle>
+            <a:lvl1pPr>
+              <a:defRPr>
+                <a:latin typeface="Century Gothic" panose="020B0502020202020204" pitchFamily="34" charset="0"/>
+              </a:defRPr>
+            </a:lvl1pPr>
+          </a:lstStyle>
+          <a:p>
+            <a:r>
+              <a:rPr lang="en-US" dirty="0"/>
               <a:t>Click to edit Master title style</a:t>
             </a:r>
           </a:p>
@@ -819,39 +746,66 @@
         <p:spPr/>
         <p:txBody>
           <a:bodyPr/>
-          <a:lstStyle/>
-          <a:p>
-            <a:pPr lvl="0"/>
-            <a:r>
-              <a:rPr lang="en-US"/>
+          <a:lstStyle>
+            <a:lvl1pPr marL="0" indent="0">
+              <a:buNone/>
+              <a:defRPr sz="3600">
+                <a:latin typeface="Century Gothic" panose="020B0502020202020204" pitchFamily="34" charset="0"/>
+              </a:defRPr>
+            </a:lvl1pPr>
+            <a:lvl2pPr>
+              <a:defRPr>
+                <a:latin typeface="Century Gothic" panose="020B0502020202020204" pitchFamily="34" charset="0"/>
+              </a:defRPr>
+            </a:lvl2pPr>
+            <a:lvl3pPr>
+              <a:defRPr>
+                <a:latin typeface="Century Gothic" panose="020B0502020202020204" pitchFamily="34" charset="0"/>
+              </a:defRPr>
+            </a:lvl3pPr>
+            <a:lvl4pPr>
+              <a:defRPr>
+                <a:latin typeface="Century Gothic" panose="020B0502020202020204" pitchFamily="34" charset="0"/>
+              </a:defRPr>
+            </a:lvl4pPr>
+            <a:lvl5pPr>
+              <a:defRPr>
+                <a:latin typeface="Century Gothic" panose="020B0502020202020204" pitchFamily="34" charset="0"/>
+              </a:defRPr>
+            </a:lvl5pPr>
+          </a:lstStyle>
+          <a:p>
+            <a:pPr lvl="0"/>
+            <a:r>
+              <a:rPr lang="en-US" dirty="0"/>
               <a:t>Edit Master text styles</a:t>
             </a:r>
           </a:p>
           <a:p>
             <a:pPr lvl="1"/>
             <a:r>
-              <a:rPr lang="en-US"/>
+              <a:rPr lang="en-US" dirty="0"/>
               <a:t>Second level</a:t>
             </a:r>
           </a:p>
           <a:p>
             <a:pPr lvl="2"/>
             <a:r>
-              <a:rPr lang="en-US"/>
+              <a:rPr lang="en-US" dirty="0"/>
               <a:t>Third level</a:t>
             </a:r>
           </a:p>
           <a:p>
             <a:pPr lvl="3"/>
             <a:r>
-              <a:rPr lang="en-US"/>
+              <a:rPr lang="en-US" dirty="0"/>
               <a:t>Fourth level</a:t>
             </a:r>
           </a:p>
           <a:p>
             <a:pPr lvl="4"/>
             <a:r>
-              <a:rPr lang="en-US"/>
+              <a:rPr lang="en-US" dirty="0"/>
               <a:t>Fifth level</a:t>
             </a:r>
           </a:p>
@@ -880,7 +834,7 @@
           <a:p>
             <a:fld id="{5022A402-46C0-41EE-8B73-14108316878B}" type="datetimeFigureOut">
               <a:rPr lang="en-US" smtClean="0"/>
-              <a:t>7/3/2018</a:t>
+              <a:t>7/7/18</a:t>
             </a:fld>
             <a:endParaRPr lang="en-US"/>
           </a:p>
@@ -943,7 +897,7 @@
     </p:spTree>
     <p:extLst>
       <p:ext uri="{BB962C8B-B14F-4D97-AF65-F5344CB8AC3E}">
-        <p14:creationId xmlns:p14="http://schemas.microsoft.com/office/powerpoint/2010/main" val="1854149041"/>
+        <p14:creationId xmlns:p14="http://schemas.microsoft.com/office/powerpoint/2010/main" val="2501342792"/>
       </p:ext>
     </p:extLst>
   </p:cSld>
@@ -972,13 +926,7 @@
       </p:grpSpPr>
       <p:sp>
         <p:nvSpPr>
-          <p:cNvPr id="2" name="Title 1">
-            <a:extLst>
-              <a:ext uri="{FF2B5EF4-FFF2-40B4-BE49-F238E27FC236}">
-                <a16:creationId xmlns:a16="http://schemas.microsoft.com/office/drawing/2014/main" id="{75B22435-75D1-42FB-9AB3-BFB6C4AB6BF0}"/>
-              </a:ext>
-            </a:extLst>
-          </p:cNvPr>
+          <p:cNvPr id="2" name="Title 1"/>
           <p:cNvSpPr>
             <a:spLocks noGrp="1"/>
           </p:cNvSpPr>
@@ -995,18 +943,13 @@
               <a:rPr lang="en-US"/>
               <a:t>Click to edit Master title style</a:t>
             </a:r>
-          </a:p>
-        </p:txBody>
-      </p:sp>
-      <p:sp>
-        <p:nvSpPr>
-          <p:cNvPr id="3" name="Content Placeholder 2">
-            <a:extLst>
-              <a:ext uri="{FF2B5EF4-FFF2-40B4-BE49-F238E27FC236}">
-                <a16:creationId xmlns:a16="http://schemas.microsoft.com/office/drawing/2014/main" id="{09E6197B-BE34-4086-BA3E-4F2DD8593716}"/>
-              </a:ext>
-            </a:extLst>
-          </p:cNvPr>
+            <a:endParaRPr lang="en-US" dirty="0"/>
+          </a:p>
+        </p:txBody>
+      </p:sp>
+      <p:sp>
+        <p:nvSpPr>
+          <p:cNvPr id="3" name="Content Placeholder 2"/>
           <p:cNvSpPr>
             <a:spLocks noGrp="1"/>
           </p:cNvSpPr>
@@ -1052,18 +995,13 @@
               <a:rPr lang="en-US"/>
               <a:t>Fifth level</a:t>
             </a:r>
-          </a:p>
-        </p:txBody>
-      </p:sp>
-      <p:sp>
-        <p:nvSpPr>
-          <p:cNvPr id="4" name="Date Placeholder 3">
-            <a:extLst>
-              <a:ext uri="{FF2B5EF4-FFF2-40B4-BE49-F238E27FC236}">
-                <a16:creationId xmlns:a16="http://schemas.microsoft.com/office/drawing/2014/main" id="{E411B64F-3502-453E-AC53-DABB5CCE71C7}"/>
-              </a:ext>
-            </a:extLst>
-          </p:cNvPr>
+            <a:endParaRPr lang="en-US" dirty="0"/>
+          </a:p>
+        </p:txBody>
+      </p:sp>
+      <p:sp>
+        <p:nvSpPr>
+          <p:cNvPr id="4" name="Date Placeholder 3"/>
           <p:cNvSpPr>
             <a:spLocks noGrp="1"/>
           </p:cNvSpPr>
@@ -1078,7 +1016,7 @@
           <a:p>
             <a:fld id="{5022A402-46C0-41EE-8B73-14108316878B}" type="datetimeFigureOut">
               <a:rPr lang="en-US" smtClean="0"/>
-              <a:t>7/3/2018</a:t>
+              <a:t>7/7/18</a:t>
             </a:fld>
             <a:endParaRPr lang="en-US"/>
           </a:p>
@@ -1086,13 +1024,7 @@
       </p:sp>
       <p:sp>
         <p:nvSpPr>
-          <p:cNvPr id="5" name="Footer Placeholder 4">
-            <a:extLst>
-              <a:ext uri="{FF2B5EF4-FFF2-40B4-BE49-F238E27FC236}">
-                <a16:creationId xmlns:a16="http://schemas.microsoft.com/office/drawing/2014/main" id="{31B690EE-16F6-4959-9122-B9EB2D2F9053}"/>
-              </a:ext>
-            </a:extLst>
-          </p:cNvPr>
+          <p:cNvPr id="5" name="Footer Placeholder 4"/>
           <p:cNvSpPr>
             <a:spLocks noGrp="1"/>
           </p:cNvSpPr>
@@ -1111,13 +1043,7 @@
       </p:sp>
       <p:sp>
         <p:nvSpPr>
-          <p:cNvPr id="6" name="Slide Number Placeholder 5">
-            <a:extLst>
-              <a:ext uri="{FF2B5EF4-FFF2-40B4-BE49-F238E27FC236}">
-                <a16:creationId xmlns:a16="http://schemas.microsoft.com/office/drawing/2014/main" id="{AAE0421E-334F-404E-8CAB-3361103F7FBF}"/>
-              </a:ext>
-            </a:extLst>
-          </p:cNvPr>
+          <p:cNvPr id="6" name="Slide Number Placeholder 5"/>
           <p:cNvSpPr>
             <a:spLocks noGrp="1"/>
           </p:cNvSpPr>
@@ -1141,7 +1067,7 @@
     </p:spTree>
     <p:extLst>
       <p:ext uri="{BB962C8B-B14F-4D97-AF65-F5344CB8AC3E}">
-        <p14:creationId xmlns:p14="http://schemas.microsoft.com/office/powerpoint/2010/main" val="1813485822"/>
+        <p14:creationId xmlns:p14="http://schemas.microsoft.com/office/powerpoint/2010/main" val="1496269605"/>
       </p:ext>
     </p:extLst>
   </p:cSld>
@@ -1170,13 +1096,7 @@
       </p:grpSpPr>
       <p:sp>
         <p:nvSpPr>
-          <p:cNvPr id="2" name="Title 1">
-            <a:extLst>
-              <a:ext uri="{FF2B5EF4-FFF2-40B4-BE49-F238E27FC236}">
-                <a16:creationId xmlns:a16="http://schemas.microsoft.com/office/drawing/2014/main" id="{03F0170C-B85C-4E66-A26D-A504AA22DE7F}"/>
-              </a:ext>
-            </a:extLst>
-          </p:cNvPr>
+          <p:cNvPr id="2" name="Title 1"/>
           <p:cNvSpPr>
             <a:spLocks noGrp="1"/>
           </p:cNvSpPr>
@@ -1202,18 +1122,13 @@
               <a:rPr lang="en-US"/>
               <a:t>Click to edit Master title style</a:t>
             </a:r>
-          </a:p>
-        </p:txBody>
-      </p:sp>
-      <p:sp>
-        <p:nvSpPr>
-          <p:cNvPr id="3" name="Text Placeholder 2">
-            <a:extLst>
-              <a:ext uri="{FF2B5EF4-FFF2-40B4-BE49-F238E27FC236}">
-                <a16:creationId xmlns:a16="http://schemas.microsoft.com/office/drawing/2014/main" id="{76666E81-6067-4B98-8BFE-C13F424F21B7}"/>
-              </a:ext>
-            </a:extLst>
-          </p:cNvPr>
+            <a:endParaRPr lang="en-US" dirty="0"/>
+          </a:p>
+        </p:txBody>
+      </p:sp>
+      <p:sp>
+        <p:nvSpPr>
+          <p:cNvPr id="3" name="Text Placeholder 2"/>
           <p:cNvSpPr>
             <a:spLocks noGrp="1"/>
           </p:cNvSpPr>
@@ -1332,13 +1247,7 @@
       </p:sp>
       <p:sp>
         <p:nvSpPr>
-          <p:cNvPr id="4" name="Date Placeholder 3">
-            <a:extLst>
-              <a:ext uri="{FF2B5EF4-FFF2-40B4-BE49-F238E27FC236}">
-                <a16:creationId xmlns:a16="http://schemas.microsoft.com/office/drawing/2014/main" id="{68E25910-5AC9-4981-A317-20680F608454}"/>
-              </a:ext>
-            </a:extLst>
-          </p:cNvPr>
+          <p:cNvPr id="4" name="Date Placeholder 3"/>
           <p:cNvSpPr>
             <a:spLocks noGrp="1"/>
           </p:cNvSpPr>
@@ -1353,7 +1262,7 @@
           <a:p>
             <a:fld id="{5022A402-46C0-41EE-8B73-14108316878B}" type="datetimeFigureOut">
               <a:rPr lang="en-US" smtClean="0"/>
-              <a:t>7/3/2018</a:t>
+              <a:t>7/7/18</a:t>
             </a:fld>
             <a:endParaRPr lang="en-US"/>
           </a:p>
@@ -1361,13 +1270,7 @@
       </p:sp>
       <p:sp>
         <p:nvSpPr>
-          <p:cNvPr id="5" name="Footer Placeholder 4">
-            <a:extLst>
-              <a:ext uri="{FF2B5EF4-FFF2-40B4-BE49-F238E27FC236}">
-                <a16:creationId xmlns:a16="http://schemas.microsoft.com/office/drawing/2014/main" id="{2A23E22A-E333-4B06-B0DD-FC921D22B602}"/>
-              </a:ext>
-            </a:extLst>
-          </p:cNvPr>
+          <p:cNvPr id="5" name="Footer Placeholder 4"/>
           <p:cNvSpPr>
             <a:spLocks noGrp="1"/>
           </p:cNvSpPr>
@@ -1386,13 +1289,7 @@
       </p:sp>
       <p:sp>
         <p:nvSpPr>
-          <p:cNvPr id="6" name="Slide Number Placeholder 5">
-            <a:extLst>
-              <a:ext uri="{FF2B5EF4-FFF2-40B4-BE49-F238E27FC236}">
-                <a16:creationId xmlns:a16="http://schemas.microsoft.com/office/drawing/2014/main" id="{26FE4508-5121-4ACA-8FA4-464FEB32DE85}"/>
-              </a:ext>
-            </a:extLst>
-          </p:cNvPr>
+          <p:cNvPr id="6" name="Slide Number Placeholder 5"/>
           <p:cNvSpPr>
             <a:spLocks noGrp="1"/>
           </p:cNvSpPr>
@@ -1416,7 +1313,7 @@
     </p:spTree>
     <p:extLst>
       <p:ext uri="{BB962C8B-B14F-4D97-AF65-F5344CB8AC3E}">
-        <p14:creationId xmlns:p14="http://schemas.microsoft.com/office/powerpoint/2010/main" val="1125411649"/>
+        <p14:creationId xmlns:p14="http://schemas.microsoft.com/office/powerpoint/2010/main" val="1610842472"/>
       </p:ext>
     </p:extLst>
   </p:cSld>
@@ -1445,13 +1342,7 @@
       </p:grpSpPr>
       <p:sp>
         <p:nvSpPr>
-          <p:cNvPr id="2" name="Title 1">
-            <a:extLst>
-              <a:ext uri="{FF2B5EF4-FFF2-40B4-BE49-F238E27FC236}">
-                <a16:creationId xmlns:a16="http://schemas.microsoft.com/office/drawing/2014/main" id="{24B6FB0A-F487-48CF-B814-A746FC777E7C}"/>
-              </a:ext>
-            </a:extLst>
-          </p:cNvPr>
+          <p:cNvPr id="2" name="Title 1"/>
           <p:cNvSpPr>
             <a:spLocks noGrp="1"/>
           </p:cNvSpPr>
@@ -1468,18 +1359,13 @@
               <a:rPr lang="en-US"/>
               <a:t>Click to edit Master title style</a:t>
             </a:r>
-          </a:p>
-        </p:txBody>
-      </p:sp>
-      <p:sp>
-        <p:nvSpPr>
-          <p:cNvPr id="3" name="Content Placeholder 2">
-            <a:extLst>
-              <a:ext uri="{FF2B5EF4-FFF2-40B4-BE49-F238E27FC236}">
-                <a16:creationId xmlns:a16="http://schemas.microsoft.com/office/drawing/2014/main" id="{0C737D01-3BCD-4FC7-9CDA-217EAC5CC154}"/>
-              </a:ext>
-            </a:extLst>
-          </p:cNvPr>
+            <a:endParaRPr lang="en-US" dirty="0"/>
+          </a:p>
+        </p:txBody>
+      </p:sp>
+      <p:sp>
+        <p:nvSpPr>
+          <p:cNvPr id="3" name="Content Placeholder 2"/>
           <p:cNvSpPr>
             <a:spLocks noGrp="1"/>
           </p:cNvSpPr>
@@ -1530,18 +1416,13 @@
               <a:rPr lang="en-US"/>
               <a:t>Fifth level</a:t>
             </a:r>
-          </a:p>
-        </p:txBody>
-      </p:sp>
-      <p:sp>
-        <p:nvSpPr>
-          <p:cNvPr id="4" name="Content Placeholder 3">
-            <a:extLst>
-              <a:ext uri="{FF2B5EF4-FFF2-40B4-BE49-F238E27FC236}">
-                <a16:creationId xmlns:a16="http://schemas.microsoft.com/office/drawing/2014/main" id="{09974467-72AD-4E41-912E-4ACDC7262F41}"/>
-              </a:ext>
-            </a:extLst>
-          </p:cNvPr>
+            <a:endParaRPr lang="en-US" dirty="0"/>
+          </a:p>
+        </p:txBody>
+      </p:sp>
+      <p:sp>
+        <p:nvSpPr>
+          <p:cNvPr id="4" name="Content Placeholder 3"/>
           <p:cNvSpPr>
             <a:spLocks noGrp="1"/>
           </p:cNvSpPr>
@@ -1592,18 +1473,13 @@
               <a:rPr lang="en-US"/>
               <a:t>Fifth level</a:t>
             </a:r>
-          </a:p>
-        </p:txBody>
-      </p:sp>
-      <p:sp>
-        <p:nvSpPr>
-          <p:cNvPr id="5" name="Date Placeholder 4">
-            <a:extLst>
-              <a:ext uri="{FF2B5EF4-FFF2-40B4-BE49-F238E27FC236}">
-                <a16:creationId xmlns:a16="http://schemas.microsoft.com/office/drawing/2014/main" id="{0CD83C94-2440-4F66-93C5-14878E729888}"/>
-              </a:ext>
-            </a:extLst>
-          </p:cNvPr>
+            <a:endParaRPr lang="en-US" dirty="0"/>
+          </a:p>
+        </p:txBody>
+      </p:sp>
+      <p:sp>
+        <p:nvSpPr>
+          <p:cNvPr id="5" name="Date Placeholder 4"/>
           <p:cNvSpPr>
             <a:spLocks noGrp="1"/>
           </p:cNvSpPr>
@@ -1618,7 +1494,7 @@
           <a:p>
             <a:fld id="{5022A402-46C0-41EE-8B73-14108316878B}" type="datetimeFigureOut">
               <a:rPr lang="en-US" smtClean="0"/>
-              <a:t>7/3/2018</a:t>
+              <a:t>7/7/18</a:t>
             </a:fld>
             <a:endParaRPr lang="en-US"/>
           </a:p>
@@ -1626,13 +1502,7 @@
       </p:sp>
       <p:sp>
         <p:nvSpPr>
-          <p:cNvPr id="6" name="Footer Placeholder 5">
-            <a:extLst>
-              <a:ext uri="{FF2B5EF4-FFF2-40B4-BE49-F238E27FC236}">
-                <a16:creationId xmlns:a16="http://schemas.microsoft.com/office/drawing/2014/main" id="{764B37D0-C2B5-4366-BF33-AF355451417E}"/>
-              </a:ext>
-            </a:extLst>
-          </p:cNvPr>
+          <p:cNvPr id="6" name="Footer Placeholder 5"/>
           <p:cNvSpPr>
             <a:spLocks noGrp="1"/>
           </p:cNvSpPr>
@@ -1651,13 +1521,7 @@
       </p:sp>
       <p:sp>
         <p:nvSpPr>
-          <p:cNvPr id="7" name="Slide Number Placeholder 6">
-            <a:extLst>
-              <a:ext uri="{FF2B5EF4-FFF2-40B4-BE49-F238E27FC236}">
-                <a16:creationId xmlns:a16="http://schemas.microsoft.com/office/drawing/2014/main" id="{FDFAF42C-4591-4BE7-93FE-A78259ABD02B}"/>
-              </a:ext>
-            </a:extLst>
-          </p:cNvPr>
+          <p:cNvPr id="7" name="Slide Number Placeholder 6"/>
           <p:cNvSpPr>
             <a:spLocks noGrp="1"/>
           </p:cNvSpPr>
@@ -1681,7 +1545,7 @@
     </p:spTree>
     <p:extLst>
       <p:ext uri="{BB962C8B-B14F-4D97-AF65-F5344CB8AC3E}">
-        <p14:creationId xmlns:p14="http://schemas.microsoft.com/office/powerpoint/2010/main" val="1050550648"/>
+        <p14:creationId xmlns:p14="http://schemas.microsoft.com/office/powerpoint/2010/main" val="3270984917"/>
       </p:ext>
     </p:extLst>
   </p:cSld>
@@ -1710,13 +1574,7 @@
       </p:grpSpPr>
       <p:sp>
         <p:nvSpPr>
-          <p:cNvPr id="2" name="Title 1">
-            <a:extLst>
-              <a:ext uri="{FF2B5EF4-FFF2-40B4-BE49-F238E27FC236}">
-                <a16:creationId xmlns:a16="http://schemas.microsoft.com/office/drawing/2014/main" id="{FD7E6A2D-F2ED-4961-98C6-116301590EBC}"/>
-              </a:ext>
-            </a:extLst>
-          </p:cNvPr>
+          <p:cNvPr id="2" name="Title 1"/>
           <p:cNvSpPr>
             <a:spLocks noGrp="1"/>
           </p:cNvSpPr>
@@ -1738,18 +1596,13 @@
               <a:rPr lang="en-US"/>
               <a:t>Click to edit Master title style</a:t>
             </a:r>
-          </a:p>
-        </p:txBody>
-      </p:sp>
-      <p:sp>
-        <p:nvSpPr>
-          <p:cNvPr id="3" name="Text Placeholder 2">
-            <a:extLst>
-              <a:ext uri="{FF2B5EF4-FFF2-40B4-BE49-F238E27FC236}">
-                <a16:creationId xmlns:a16="http://schemas.microsoft.com/office/drawing/2014/main" id="{B804D171-DE03-4397-BBD4-BE271E56B5B7}"/>
-              </a:ext>
-            </a:extLst>
-          </p:cNvPr>
+            <a:endParaRPr lang="en-US" dirty="0"/>
+          </a:p>
+        </p:txBody>
+      </p:sp>
+      <p:sp>
+        <p:nvSpPr>
+          <p:cNvPr id="3" name="Text Placeholder 2"/>
           <p:cNvSpPr>
             <a:spLocks noGrp="1"/>
           </p:cNvSpPr>
@@ -1814,13 +1667,7 @@
       </p:sp>
       <p:sp>
         <p:nvSpPr>
-          <p:cNvPr id="4" name="Content Placeholder 3">
-            <a:extLst>
-              <a:ext uri="{FF2B5EF4-FFF2-40B4-BE49-F238E27FC236}">
-                <a16:creationId xmlns:a16="http://schemas.microsoft.com/office/drawing/2014/main" id="{86AD06A4-D4E3-4C36-9405-3722025A0999}"/>
-              </a:ext>
-            </a:extLst>
-          </p:cNvPr>
+          <p:cNvPr id="4" name="Content Placeholder 3"/>
           <p:cNvSpPr>
             <a:spLocks noGrp="1"/>
           </p:cNvSpPr>
@@ -1871,18 +1718,13 @@
               <a:rPr lang="en-US"/>
               <a:t>Fifth level</a:t>
             </a:r>
-          </a:p>
-        </p:txBody>
-      </p:sp>
-      <p:sp>
-        <p:nvSpPr>
-          <p:cNvPr id="5" name="Text Placeholder 4">
-            <a:extLst>
-              <a:ext uri="{FF2B5EF4-FFF2-40B4-BE49-F238E27FC236}">
-                <a16:creationId xmlns:a16="http://schemas.microsoft.com/office/drawing/2014/main" id="{E9E90250-276A-4237-B488-8E8F58CF35A1}"/>
-              </a:ext>
-            </a:extLst>
-          </p:cNvPr>
+            <a:endParaRPr lang="en-US" dirty="0"/>
+          </a:p>
+        </p:txBody>
+      </p:sp>
+      <p:sp>
+        <p:nvSpPr>
+          <p:cNvPr id="5" name="Text Placeholder 4"/>
           <p:cNvSpPr>
             <a:spLocks noGrp="1"/>
           </p:cNvSpPr>
@@ -1947,13 +1789,7 @@
       </p:sp>
       <p:sp>
         <p:nvSpPr>
-          <p:cNvPr id="6" name="Content Placeholder 5">
-            <a:extLst>
-              <a:ext uri="{FF2B5EF4-FFF2-40B4-BE49-F238E27FC236}">
-                <a16:creationId xmlns:a16="http://schemas.microsoft.com/office/drawing/2014/main" id="{C7B24A60-8D85-45F8-9477-C4E972A9FE07}"/>
-              </a:ext>
-            </a:extLst>
-          </p:cNvPr>
+          <p:cNvPr id="6" name="Content Placeholder 5"/>
           <p:cNvSpPr>
             <a:spLocks noGrp="1"/>
           </p:cNvSpPr>
@@ -2004,18 +1840,13 @@
               <a:rPr lang="en-US"/>
               <a:t>Fifth level</a:t>
             </a:r>
-          </a:p>
-        </p:txBody>
-      </p:sp>
-      <p:sp>
-        <p:nvSpPr>
-          <p:cNvPr id="7" name="Date Placeholder 6">
-            <a:extLst>
-              <a:ext uri="{FF2B5EF4-FFF2-40B4-BE49-F238E27FC236}">
-                <a16:creationId xmlns:a16="http://schemas.microsoft.com/office/drawing/2014/main" id="{CDF5C79E-C56D-4B9D-9FF4-901E94F04525}"/>
-              </a:ext>
-            </a:extLst>
-          </p:cNvPr>
+            <a:endParaRPr lang="en-US" dirty="0"/>
+          </a:p>
+        </p:txBody>
+      </p:sp>
+      <p:sp>
+        <p:nvSpPr>
+          <p:cNvPr id="7" name="Date Placeholder 6"/>
           <p:cNvSpPr>
             <a:spLocks noGrp="1"/>
           </p:cNvSpPr>
@@ -2030,7 +1861,7 @@
           <a:p>
             <a:fld id="{5022A402-46C0-41EE-8B73-14108316878B}" type="datetimeFigureOut">
               <a:rPr lang="en-US" smtClean="0"/>
-              <a:t>7/3/2018</a:t>
+              <a:t>7/7/18</a:t>
             </a:fld>
             <a:endParaRPr lang="en-US"/>
           </a:p>
@@ -2038,13 +1869,7 @@
       </p:sp>
       <p:sp>
         <p:nvSpPr>
-          <p:cNvPr id="8" name="Footer Placeholder 7">
-            <a:extLst>
-              <a:ext uri="{FF2B5EF4-FFF2-40B4-BE49-F238E27FC236}">
-                <a16:creationId xmlns:a16="http://schemas.microsoft.com/office/drawing/2014/main" id="{0D5191BD-EE42-42D4-AD73-68F295A032C9}"/>
-              </a:ext>
-            </a:extLst>
-          </p:cNvPr>
+          <p:cNvPr id="8" name="Footer Placeholder 7"/>
           <p:cNvSpPr>
             <a:spLocks noGrp="1"/>
           </p:cNvSpPr>
@@ -2063,13 +1888,7 @@
       </p:sp>
       <p:sp>
         <p:nvSpPr>
-          <p:cNvPr id="9" name="Slide Number Placeholder 8">
-            <a:extLst>
-              <a:ext uri="{FF2B5EF4-FFF2-40B4-BE49-F238E27FC236}">
-                <a16:creationId xmlns:a16="http://schemas.microsoft.com/office/drawing/2014/main" id="{B42CCC56-3D34-4F63-8100-ED87A8D032A4}"/>
-              </a:ext>
-            </a:extLst>
-          </p:cNvPr>
+          <p:cNvPr id="9" name="Slide Number Placeholder 8"/>
           <p:cNvSpPr>
             <a:spLocks noGrp="1"/>
           </p:cNvSpPr>
@@ -2093,7 +1912,7 @@
     </p:spTree>
     <p:extLst>
       <p:ext uri="{BB962C8B-B14F-4D97-AF65-F5344CB8AC3E}">
-        <p14:creationId xmlns:p14="http://schemas.microsoft.com/office/powerpoint/2010/main" val="3501417900"/>
+        <p14:creationId xmlns:p14="http://schemas.microsoft.com/office/powerpoint/2010/main" val="3397651165"/>
       </p:ext>
     </p:extLst>
   </p:cSld>
@@ -2122,13 +1941,7 @@
       </p:grpSpPr>
       <p:sp>
         <p:nvSpPr>
-          <p:cNvPr id="2" name="Title 1">
-            <a:extLst>
-              <a:ext uri="{FF2B5EF4-FFF2-40B4-BE49-F238E27FC236}">
-                <a16:creationId xmlns:a16="http://schemas.microsoft.com/office/drawing/2014/main" id="{3FEF0537-8BC8-47C8-8D83-EE9457D8C483}"/>
-              </a:ext>
-            </a:extLst>
-          </p:cNvPr>
+          <p:cNvPr id="2" name="Title 1"/>
           <p:cNvSpPr>
             <a:spLocks noGrp="1"/>
           </p:cNvSpPr>
@@ -2145,18 +1958,13 @@
               <a:rPr lang="en-US"/>
               <a:t>Click to edit Master title style</a:t>
             </a:r>
-          </a:p>
-        </p:txBody>
-      </p:sp>
-      <p:sp>
-        <p:nvSpPr>
-          <p:cNvPr id="3" name="Date Placeholder 2">
-            <a:extLst>
-              <a:ext uri="{FF2B5EF4-FFF2-40B4-BE49-F238E27FC236}">
-                <a16:creationId xmlns:a16="http://schemas.microsoft.com/office/drawing/2014/main" id="{E94278CD-0851-41ED-8ACE-7E36A6357E13}"/>
-              </a:ext>
-            </a:extLst>
-          </p:cNvPr>
+            <a:endParaRPr lang="en-US" dirty="0"/>
+          </a:p>
+        </p:txBody>
+      </p:sp>
+      <p:sp>
+        <p:nvSpPr>
+          <p:cNvPr id="3" name="Date Placeholder 2"/>
           <p:cNvSpPr>
             <a:spLocks noGrp="1"/>
           </p:cNvSpPr>
@@ -2171,7 +1979,7 @@
           <a:p>
             <a:fld id="{5022A402-46C0-41EE-8B73-14108316878B}" type="datetimeFigureOut">
               <a:rPr lang="en-US" smtClean="0"/>
-              <a:t>7/3/2018</a:t>
+              <a:t>7/7/18</a:t>
             </a:fld>
             <a:endParaRPr lang="en-US"/>
           </a:p>
@@ -2179,13 +1987,7 @@
       </p:sp>
       <p:sp>
         <p:nvSpPr>
-          <p:cNvPr id="4" name="Footer Placeholder 3">
-            <a:extLst>
-              <a:ext uri="{FF2B5EF4-FFF2-40B4-BE49-F238E27FC236}">
-                <a16:creationId xmlns:a16="http://schemas.microsoft.com/office/drawing/2014/main" id="{FBF31509-22A1-4E7B-9E27-3DF22BEDCFD5}"/>
-              </a:ext>
-            </a:extLst>
-          </p:cNvPr>
+          <p:cNvPr id="4" name="Footer Placeholder 3"/>
           <p:cNvSpPr>
             <a:spLocks noGrp="1"/>
           </p:cNvSpPr>
@@ -2204,13 +2006,7 @@
       </p:sp>
       <p:sp>
         <p:nvSpPr>
-          <p:cNvPr id="5" name="Slide Number Placeholder 4">
-            <a:extLst>
-              <a:ext uri="{FF2B5EF4-FFF2-40B4-BE49-F238E27FC236}">
-                <a16:creationId xmlns:a16="http://schemas.microsoft.com/office/drawing/2014/main" id="{EFDAB9EF-78E3-4C26-87E8-DF8C04723A88}"/>
-              </a:ext>
-            </a:extLst>
-          </p:cNvPr>
+          <p:cNvPr id="5" name="Slide Number Placeholder 4"/>
           <p:cNvSpPr>
             <a:spLocks noGrp="1"/>
           </p:cNvSpPr>
@@ -2234,7 +2030,7 @@
     </p:spTree>
     <p:extLst>
       <p:ext uri="{BB962C8B-B14F-4D97-AF65-F5344CB8AC3E}">
-        <p14:creationId xmlns:p14="http://schemas.microsoft.com/office/powerpoint/2010/main" val="2319687719"/>
+        <p14:creationId xmlns:p14="http://schemas.microsoft.com/office/powerpoint/2010/main" val="3928161470"/>
       </p:ext>
     </p:extLst>
   </p:cSld>
@@ -2263,13 +2059,7 @@
       </p:grpSpPr>
       <p:sp>
         <p:nvSpPr>
-          <p:cNvPr id="2" name="Date Placeholder 1">
-            <a:extLst>
-              <a:ext uri="{FF2B5EF4-FFF2-40B4-BE49-F238E27FC236}">
-                <a16:creationId xmlns:a16="http://schemas.microsoft.com/office/drawing/2014/main" id="{B46AB26E-8F34-4125-B36B-3B32DD0E53E8}"/>
-              </a:ext>
-            </a:extLst>
-          </p:cNvPr>
+          <p:cNvPr id="2" name="Date Placeholder 1"/>
           <p:cNvSpPr>
             <a:spLocks noGrp="1"/>
           </p:cNvSpPr>
@@ -2284,7 +2074,7 @@
           <a:p>
             <a:fld id="{5022A402-46C0-41EE-8B73-14108316878B}" type="datetimeFigureOut">
               <a:rPr lang="en-US" smtClean="0"/>
-              <a:t>7/3/2018</a:t>
+              <a:t>7/7/18</a:t>
             </a:fld>
             <a:endParaRPr lang="en-US"/>
           </a:p>
@@ -2292,13 +2082,7 @@
       </p:sp>
       <p:sp>
         <p:nvSpPr>
-          <p:cNvPr id="3" name="Footer Placeholder 2">
-            <a:extLst>
-              <a:ext uri="{FF2B5EF4-FFF2-40B4-BE49-F238E27FC236}">
-                <a16:creationId xmlns:a16="http://schemas.microsoft.com/office/drawing/2014/main" id="{BFECCF2E-BA4E-4D58-975C-DF8BBD6459AD}"/>
-              </a:ext>
-            </a:extLst>
-          </p:cNvPr>
+          <p:cNvPr id="3" name="Footer Placeholder 2"/>
           <p:cNvSpPr>
             <a:spLocks noGrp="1"/>
           </p:cNvSpPr>
@@ -2317,13 +2101,7 @@
       </p:sp>
       <p:sp>
         <p:nvSpPr>
-          <p:cNvPr id="4" name="Slide Number Placeholder 3">
-            <a:extLst>
-              <a:ext uri="{FF2B5EF4-FFF2-40B4-BE49-F238E27FC236}">
-                <a16:creationId xmlns:a16="http://schemas.microsoft.com/office/drawing/2014/main" id="{DB1AD080-141B-4A65-BCC7-3C2E47AD0DFF}"/>
-              </a:ext>
-            </a:extLst>
-          </p:cNvPr>
+          <p:cNvPr id="4" name="Slide Number Placeholder 3"/>
           <p:cNvSpPr>
             <a:spLocks noGrp="1"/>
           </p:cNvSpPr>
@@ -2347,7 +2125,7 @@
     </p:spTree>
     <p:extLst>
       <p:ext uri="{BB962C8B-B14F-4D97-AF65-F5344CB8AC3E}">
-        <p14:creationId xmlns:p14="http://schemas.microsoft.com/office/powerpoint/2010/main" val="2470041151"/>
+        <p14:creationId xmlns:p14="http://schemas.microsoft.com/office/powerpoint/2010/main" val="980670647"/>
       </p:ext>
     </p:extLst>
   </p:cSld>
@@ -2376,13 +2154,7 @@
       </p:grpSpPr>
       <p:sp>
         <p:nvSpPr>
-          <p:cNvPr id="2" name="Title 1">
-            <a:extLst>
-              <a:ext uri="{FF2B5EF4-FFF2-40B4-BE49-F238E27FC236}">
-                <a16:creationId xmlns:a16="http://schemas.microsoft.com/office/drawing/2014/main" id="{973F34A2-79F2-4A87-BC10-7E4F6E99AEA6}"/>
-              </a:ext>
-            </a:extLst>
-          </p:cNvPr>
+          <p:cNvPr id="2" name="Title 1"/>
           <p:cNvSpPr>
             <a:spLocks noGrp="1"/>
           </p:cNvSpPr>
@@ -2408,18 +2180,13 @@
               <a:rPr lang="en-US"/>
               <a:t>Click to edit Master title style</a:t>
             </a:r>
-          </a:p>
-        </p:txBody>
-      </p:sp>
-      <p:sp>
-        <p:nvSpPr>
-          <p:cNvPr id="3" name="Content Placeholder 2">
-            <a:extLst>
-              <a:ext uri="{FF2B5EF4-FFF2-40B4-BE49-F238E27FC236}">
-                <a16:creationId xmlns:a16="http://schemas.microsoft.com/office/drawing/2014/main" id="{E5F1A711-30F0-4975-BE55-252D811DCEDD}"/>
-              </a:ext>
-            </a:extLst>
-          </p:cNvPr>
+            <a:endParaRPr lang="en-US" dirty="0"/>
+          </a:p>
+        </p:txBody>
+      </p:sp>
+      <p:sp>
+        <p:nvSpPr>
+          <p:cNvPr id="3" name="Content Placeholder 2"/>
           <p:cNvSpPr>
             <a:spLocks noGrp="1"/>
           </p:cNvSpPr>
@@ -2498,18 +2265,13 @@
               <a:rPr lang="en-US"/>
               <a:t>Fifth level</a:t>
             </a:r>
-          </a:p>
-        </p:txBody>
-      </p:sp>
-      <p:sp>
-        <p:nvSpPr>
-          <p:cNvPr id="4" name="Text Placeholder 3">
-            <a:extLst>
-              <a:ext uri="{FF2B5EF4-FFF2-40B4-BE49-F238E27FC236}">
-                <a16:creationId xmlns:a16="http://schemas.microsoft.com/office/drawing/2014/main" id="{A6C7952E-B53C-4DF5-9FC1-C707034AD9A1}"/>
-              </a:ext>
-            </a:extLst>
-          </p:cNvPr>
+            <a:endParaRPr lang="en-US" dirty="0"/>
+          </a:p>
+        </p:txBody>
+      </p:sp>
+      <p:sp>
+        <p:nvSpPr>
+          <p:cNvPr id="4" name="Text Placeholder 3"/>
           <p:cNvSpPr>
             <a:spLocks noGrp="1"/>
           </p:cNvSpPr>
@@ -2574,13 +2336,7 @@
       </p:sp>
       <p:sp>
         <p:nvSpPr>
-          <p:cNvPr id="5" name="Date Placeholder 4">
-            <a:extLst>
-              <a:ext uri="{FF2B5EF4-FFF2-40B4-BE49-F238E27FC236}">
-                <a16:creationId xmlns:a16="http://schemas.microsoft.com/office/drawing/2014/main" id="{6A0681D1-014C-4F47-B67A-0E4405450AEE}"/>
-              </a:ext>
-            </a:extLst>
-          </p:cNvPr>
+          <p:cNvPr id="5" name="Date Placeholder 4"/>
           <p:cNvSpPr>
             <a:spLocks noGrp="1"/>
           </p:cNvSpPr>
@@ -2595,7 +2351,7 @@
           <a:p>
             <a:fld id="{5022A402-46C0-41EE-8B73-14108316878B}" type="datetimeFigureOut">
               <a:rPr lang="en-US" smtClean="0"/>
-              <a:t>7/3/2018</a:t>
+              <a:t>7/7/18</a:t>
             </a:fld>
             <a:endParaRPr lang="en-US"/>
           </a:p>
@@ -2603,13 +2359,7 @@
       </p:sp>
       <p:sp>
         <p:nvSpPr>
-          <p:cNvPr id="6" name="Footer Placeholder 5">
-            <a:extLst>
-              <a:ext uri="{FF2B5EF4-FFF2-40B4-BE49-F238E27FC236}">
-                <a16:creationId xmlns:a16="http://schemas.microsoft.com/office/drawing/2014/main" id="{E31D75E6-969C-47F8-B311-25CD09D1AD72}"/>
-              </a:ext>
-            </a:extLst>
-          </p:cNvPr>
+          <p:cNvPr id="6" name="Footer Placeholder 5"/>
           <p:cNvSpPr>
             <a:spLocks noGrp="1"/>
           </p:cNvSpPr>
@@ -2628,13 +2378,7 @@
       </p:sp>
       <p:sp>
         <p:nvSpPr>
-          <p:cNvPr id="7" name="Slide Number Placeholder 6">
-            <a:extLst>
-              <a:ext uri="{FF2B5EF4-FFF2-40B4-BE49-F238E27FC236}">
-                <a16:creationId xmlns:a16="http://schemas.microsoft.com/office/drawing/2014/main" id="{740628BA-7AF7-43B9-87AC-D9B831D38238}"/>
-              </a:ext>
-            </a:extLst>
-          </p:cNvPr>
+          <p:cNvPr id="7" name="Slide Number Placeholder 6"/>
           <p:cNvSpPr>
             <a:spLocks noGrp="1"/>
           </p:cNvSpPr>
@@ -2658,7 +2402,7 @@
     </p:spTree>
     <p:extLst>
       <p:ext uri="{BB962C8B-B14F-4D97-AF65-F5344CB8AC3E}">
-        <p14:creationId xmlns:p14="http://schemas.microsoft.com/office/powerpoint/2010/main" val="2557619695"/>
+        <p14:creationId xmlns:p14="http://schemas.microsoft.com/office/powerpoint/2010/main" val="1641757327"/>
       </p:ext>
     </p:extLst>
   </p:cSld>
@@ -2687,13 +2431,7 @@
       </p:grpSpPr>
       <p:sp>
         <p:nvSpPr>
-          <p:cNvPr id="2" name="Title 1">
-            <a:extLst>
-              <a:ext uri="{FF2B5EF4-FFF2-40B4-BE49-F238E27FC236}">
-                <a16:creationId xmlns:a16="http://schemas.microsoft.com/office/drawing/2014/main" id="{1910DEB3-054C-4236-83D5-CF3CCADBA484}"/>
-              </a:ext>
-            </a:extLst>
-          </p:cNvPr>
+          <p:cNvPr id="2" name="Title 1"/>
           <p:cNvSpPr>
             <a:spLocks noGrp="1"/>
           </p:cNvSpPr>
@@ -2719,20 +2457,15 @@
               <a:rPr lang="en-US"/>
               <a:t>Click to edit Master title style</a:t>
             </a:r>
-          </a:p>
-        </p:txBody>
-      </p:sp>
-      <p:sp>
-        <p:nvSpPr>
-          <p:cNvPr id="3" name="Picture Placeholder 2">
-            <a:extLst>
-              <a:ext uri="{FF2B5EF4-FFF2-40B4-BE49-F238E27FC236}">
-                <a16:creationId xmlns:a16="http://schemas.microsoft.com/office/drawing/2014/main" id="{B521A6C6-1967-4807-9FF8-DE29318A7D1A}"/>
-              </a:ext>
-            </a:extLst>
-          </p:cNvPr>
-          <p:cNvSpPr>
-            <a:spLocks noGrp="1"/>
+            <a:endParaRPr lang="en-US" dirty="0"/>
+          </a:p>
+        </p:txBody>
+      </p:sp>
+      <p:sp>
+        <p:nvSpPr>
+          <p:cNvPr id="3" name="Picture Placeholder 2"/>
+          <p:cNvSpPr>
+            <a:spLocks noGrp="1" noChangeAspect="1"/>
           </p:cNvSpPr>
           <p:nvPr>
             <p:ph type="pic" idx="1"/>
@@ -2745,7 +2478,7 @@
           </a:xfrm>
         </p:spPr>
         <p:txBody>
-          <a:bodyPr/>
+          <a:bodyPr anchor="t"/>
           <a:lstStyle>
             <a:lvl1pPr marL="0" indent="0">
               <a:buNone/>
@@ -2789,18 +2522,13 @@
               <a:rPr lang="en-US"/>
               <a:t>Click icon to add picture</a:t>
             </a:r>
-          </a:p>
-        </p:txBody>
-      </p:sp>
-      <p:sp>
-        <p:nvSpPr>
-          <p:cNvPr id="4" name="Text Placeholder 3">
-            <a:extLst>
-              <a:ext uri="{FF2B5EF4-FFF2-40B4-BE49-F238E27FC236}">
-                <a16:creationId xmlns:a16="http://schemas.microsoft.com/office/drawing/2014/main" id="{52A98EFD-2232-4EB0-8AD7-FB379DA58082}"/>
-              </a:ext>
-            </a:extLst>
-          </p:cNvPr>
+            <a:endParaRPr lang="en-US" dirty="0"/>
+          </a:p>
+        </p:txBody>
+      </p:sp>
+      <p:sp>
+        <p:nvSpPr>
+          <p:cNvPr id="4" name="Text Placeholder 3"/>
           <p:cNvSpPr>
             <a:spLocks noGrp="1"/>
           </p:cNvSpPr>
@@ -2865,13 +2593,7 @@
       </p:sp>
       <p:sp>
         <p:nvSpPr>
-          <p:cNvPr id="5" name="Date Placeholder 4">
-            <a:extLst>
-              <a:ext uri="{FF2B5EF4-FFF2-40B4-BE49-F238E27FC236}">
-                <a16:creationId xmlns:a16="http://schemas.microsoft.com/office/drawing/2014/main" id="{92B4DE36-CD45-454F-98B2-76E450D6FA88}"/>
-              </a:ext>
-            </a:extLst>
-          </p:cNvPr>
+          <p:cNvPr id="5" name="Date Placeholder 4"/>
           <p:cNvSpPr>
             <a:spLocks noGrp="1"/>
           </p:cNvSpPr>
@@ -2886,7 +2608,7 @@
           <a:p>
             <a:fld id="{5022A402-46C0-41EE-8B73-14108316878B}" type="datetimeFigureOut">
               <a:rPr lang="en-US" smtClean="0"/>
-              <a:t>7/3/2018</a:t>
+              <a:t>7/7/18</a:t>
             </a:fld>
             <a:endParaRPr lang="en-US"/>
           </a:p>
@@ -2894,13 +2616,7 @@
       </p:sp>
       <p:sp>
         <p:nvSpPr>
-          <p:cNvPr id="6" name="Footer Placeholder 5">
-            <a:extLst>
-              <a:ext uri="{FF2B5EF4-FFF2-40B4-BE49-F238E27FC236}">
-                <a16:creationId xmlns:a16="http://schemas.microsoft.com/office/drawing/2014/main" id="{5C11BC11-5DC2-48C1-9A69-23DEB2DC89D3}"/>
-              </a:ext>
-            </a:extLst>
-          </p:cNvPr>
+          <p:cNvPr id="6" name="Footer Placeholder 5"/>
           <p:cNvSpPr>
             <a:spLocks noGrp="1"/>
           </p:cNvSpPr>
@@ -2919,13 +2635,7 @@
       </p:sp>
       <p:sp>
         <p:nvSpPr>
-          <p:cNvPr id="7" name="Slide Number Placeholder 6">
-            <a:extLst>
-              <a:ext uri="{FF2B5EF4-FFF2-40B4-BE49-F238E27FC236}">
-                <a16:creationId xmlns:a16="http://schemas.microsoft.com/office/drawing/2014/main" id="{E1ABE9B8-B297-4E15-823C-CF3265F85E75}"/>
-              </a:ext>
-            </a:extLst>
-          </p:cNvPr>
+          <p:cNvPr id="7" name="Slide Number Placeholder 6"/>
           <p:cNvSpPr>
             <a:spLocks noGrp="1"/>
           </p:cNvSpPr>
@@ -2949,7 +2659,7 @@
     </p:spTree>
     <p:extLst>
       <p:ext uri="{BB962C8B-B14F-4D97-AF65-F5344CB8AC3E}">
-        <p14:creationId xmlns:p14="http://schemas.microsoft.com/office/powerpoint/2010/main" val="269957523"/>
+        <p14:creationId xmlns:p14="http://schemas.microsoft.com/office/powerpoint/2010/main" val="3431590250"/>
       </p:ext>
     </p:extLst>
   </p:cSld>
@@ -2983,13 +2693,7 @@
       </p:grpSpPr>
       <p:sp>
         <p:nvSpPr>
-          <p:cNvPr id="2" name="Title Placeholder 1">
-            <a:extLst>
-              <a:ext uri="{FF2B5EF4-FFF2-40B4-BE49-F238E27FC236}">
-                <a16:creationId xmlns:a16="http://schemas.microsoft.com/office/drawing/2014/main" id="{B5771BC2-AAD7-4386-918C-974D847D6871}"/>
-              </a:ext>
-            </a:extLst>
-          </p:cNvPr>
+          <p:cNvPr id="2" name="Title Placeholder 1"/>
           <p:cNvSpPr>
             <a:spLocks noGrp="1"/>
           </p:cNvSpPr>
@@ -3016,18 +2720,13 @@
               <a:rPr lang="en-US"/>
               <a:t>Click to edit Master title style</a:t>
             </a:r>
-          </a:p>
-        </p:txBody>
-      </p:sp>
-      <p:sp>
-        <p:nvSpPr>
-          <p:cNvPr id="3" name="Text Placeholder 2">
-            <a:extLst>
-              <a:ext uri="{FF2B5EF4-FFF2-40B4-BE49-F238E27FC236}">
-                <a16:creationId xmlns:a16="http://schemas.microsoft.com/office/drawing/2014/main" id="{BE72391C-1A45-4D7F-BA90-59CEA54216C3}"/>
-              </a:ext>
-            </a:extLst>
-          </p:cNvPr>
+            <a:endParaRPr lang="en-US" dirty="0"/>
+          </a:p>
+        </p:txBody>
+      </p:sp>
+      <p:sp>
+        <p:nvSpPr>
+          <p:cNvPr id="3" name="Text Placeholder 2"/>
           <p:cNvSpPr>
             <a:spLocks noGrp="1"/>
           </p:cNvSpPr>
@@ -3083,18 +2782,13 @@
               <a:rPr lang="en-US"/>
               <a:t>Fifth level</a:t>
             </a:r>
-          </a:p>
-        </p:txBody>
-      </p:sp>
-      <p:sp>
-        <p:nvSpPr>
-          <p:cNvPr id="4" name="Date Placeholder 3">
-            <a:extLst>
-              <a:ext uri="{FF2B5EF4-FFF2-40B4-BE49-F238E27FC236}">
-                <a16:creationId xmlns:a16="http://schemas.microsoft.com/office/drawing/2014/main" id="{B4AF1FC9-29E9-481C-A8DA-0065777333A2}"/>
-              </a:ext>
-            </a:extLst>
-          </p:cNvPr>
+            <a:endParaRPr lang="en-US" dirty="0"/>
+          </a:p>
+        </p:txBody>
+      </p:sp>
+      <p:sp>
+        <p:nvSpPr>
+          <p:cNvPr id="4" name="Date Placeholder 3"/>
           <p:cNvSpPr>
             <a:spLocks noGrp="1"/>
           </p:cNvSpPr>
@@ -3127,7 +2821,7 @@
           <a:p>
             <a:fld id="{5022A402-46C0-41EE-8B73-14108316878B}" type="datetimeFigureOut">
               <a:rPr lang="en-US" smtClean="0"/>
-              <a:t>7/3/2018</a:t>
+              <a:t>7/7/18</a:t>
             </a:fld>
             <a:endParaRPr lang="en-US"/>
           </a:p>
@@ -3135,13 +2829,7 @@
       </p:sp>
       <p:sp>
         <p:nvSpPr>
-          <p:cNvPr id="5" name="Footer Placeholder 4">
-            <a:extLst>
-              <a:ext uri="{FF2B5EF4-FFF2-40B4-BE49-F238E27FC236}">
-                <a16:creationId xmlns:a16="http://schemas.microsoft.com/office/drawing/2014/main" id="{22016B35-8D44-475B-8006-82C128B78B14}"/>
-              </a:ext>
-            </a:extLst>
-          </p:cNvPr>
+          <p:cNvPr id="5" name="Footer Placeholder 4"/>
           <p:cNvSpPr>
             <a:spLocks noGrp="1"/>
           </p:cNvSpPr>
@@ -3178,13 +2866,7 @@
       </p:sp>
       <p:sp>
         <p:nvSpPr>
-          <p:cNvPr id="6" name="Slide Number Placeholder 5">
-            <a:extLst>
-              <a:ext uri="{FF2B5EF4-FFF2-40B4-BE49-F238E27FC236}">
-                <a16:creationId xmlns:a16="http://schemas.microsoft.com/office/drawing/2014/main" id="{4B5E982D-A653-4495-84B1-D175E227BC8E}"/>
-              </a:ext>
-            </a:extLst>
-          </p:cNvPr>
+          <p:cNvPr id="6" name="Slide Number Placeholder 5"/>
           <p:cNvSpPr>
             <a:spLocks noGrp="1"/>
           </p:cNvSpPr>
@@ -3226,24 +2908,24 @@
     </p:spTree>
     <p:extLst>
       <p:ext uri="{BB962C8B-B14F-4D97-AF65-F5344CB8AC3E}">
-        <p14:creationId xmlns:p14="http://schemas.microsoft.com/office/powerpoint/2010/main" val="3072999336"/>
+        <p14:creationId xmlns:p14="http://schemas.microsoft.com/office/powerpoint/2010/main" val="2400309848"/>
       </p:ext>
     </p:extLst>
   </p:cSld>
-  <p:clrMap bg1="lt1" tx1="dk1" bg2="lt2" tx2="dk2" accent1="accent1" accent2="accent2" accent3="accent3" accent4="accent4" accent5="accent5" accent6="accent6" hlink="hlink" folHlink="folHlink"/>
+  <p:clrMap bg1="dk1" tx1="lt1" bg2="dk2" tx2="lt2" accent1="accent1" accent2="accent2" accent3="accent3" accent4="accent4" accent5="accent5" accent6="accent6" hlink="hlink" folHlink="folHlink"/>
   <p:sldLayoutIdLst>
-    <p:sldLayoutId id="2147483649" r:id="rId1"/>
-    <p:sldLayoutId id="2147483650" r:id="rId2"/>
-    <p:sldLayoutId id="2147483651" r:id="rId3"/>
-    <p:sldLayoutId id="2147483652" r:id="rId4"/>
-    <p:sldLayoutId id="2147483653" r:id="rId5"/>
-    <p:sldLayoutId id="2147483654" r:id="rId6"/>
-    <p:sldLayoutId id="2147483655" r:id="rId7"/>
-    <p:sldLayoutId id="2147483656" r:id="rId8"/>
-    <p:sldLayoutId id="2147483657" r:id="rId9"/>
-    <p:sldLayoutId id="2147483658" r:id="rId10"/>
-    <p:sldLayoutId id="2147483659" r:id="rId11"/>
-    <p:sldLayoutId id="2147483660" r:id="rId12"/>
+    <p:sldLayoutId id="2147483662" r:id="rId1"/>
+    <p:sldLayoutId id="2147483663" r:id="rId2"/>
+    <p:sldLayoutId id="2147483664" r:id="rId3"/>
+    <p:sldLayoutId id="2147483665" r:id="rId4"/>
+    <p:sldLayoutId id="2147483666" r:id="rId5"/>
+    <p:sldLayoutId id="2147483667" r:id="rId6"/>
+    <p:sldLayoutId id="2147483668" r:id="rId7"/>
+    <p:sldLayoutId id="2147483669" r:id="rId8"/>
+    <p:sldLayoutId id="2147483670" r:id="rId9"/>
+    <p:sldLayoutId id="2147483671" r:id="rId10"/>
+    <p:sldLayoutId id="2147483672" r:id="rId11"/>
+    <p:sldLayoutId id="2147483673" r:id="rId12"/>
   </p:sldLayoutIdLst>
   <p:txStyles>
     <p:titleStyle>
@@ -3977,15 +3659,12 @@
           <a:p>
             <a:pPr lvl="0"/>
             <a:r>
+              <a:rPr lang="en-US"/>
+              <a:t>Let </a:t>
+            </a:r>
+            <a:r>
               <a:rPr lang="en-US" dirty="0"/>
-              <a:t>Verse 1:</a:t>
-            </a:r>
-          </a:p>
-          <a:p>
-            <a:pPr lvl="0"/>
-            <a:r>
-              <a:rPr lang="en-US" dirty="0"/>
-              <a:t>Let the King of my heart be </a:t>
+              <a:t>the King of my heart be </a:t>
             </a:r>
           </a:p>
           <a:p>
@@ -5909,7 +5588,7 @@
 <file path=ppt/theme/theme1.xml><?xml version="1.0" encoding="utf-8"?>
 <a:theme xmlns:a="http://schemas.openxmlformats.org/drawingml/2006/main" name="Office Theme">
   <a:themeElements>
-    <a:clrScheme name="Office">
+    <a:clrScheme name="Office Theme">
       <a:dk1>
         <a:sysClr val="windowText" lastClr="000000"/>
       </a:dk1>
@@ -5947,7 +5626,7 @@
         <a:srgbClr val="954F72"/>
       </a:folHlink>
     </a:clrScheme>
-    <a:fontScheme name="Office">
+    <a:fontScheme name="Office Theme">
       <a:majorFont>
         <a:latin typeface="Calibri Light" panose="020F0302020204030204"/>
         <a:ea typeface=""/>
@@ -5982,23 +5661,6 @@
         <a:font script="Viet" typeface="Times New Roman"/>
         <a:font script="Uigh" typeface="Microsoft Uighur"/>
         <a:font script="Geor" typeface="Sylfaen"/>
-        <a:font script="Armn" typeface="Arial"/>
-        <a:font script="Bugi" typeface="Leelawadee UI"/>
-        <a:font script="Bopo" typeface="Microsoft JhengHei"/>
-        <a:font script="Java" typeface="Javanese Text"/>
-        <a:font script="Lisu" typeface="Segoe UI"/>
-        <a:font script="Mymr" typeface="Myanmar Text"/>
-        <a:font script="Nkoo" typeface="Ebrima"/>
-        <a:font script="Olck" typeface="Nirmala UI"/>
-        <a:font script="Osma" typeface="Ebrima"/>
-        <a:font script="Phag" typeface="Phagspa"/>
-        <a:font script="Syrn" typeface="Estrangelo Edessa"/>
-        <a:font script="Syrj" typeface="Estrangelo Edessa"/>
-        <a:font script="Syre" typeface="Estrangelo Edessa"/>
-        <a:font script="Sora" typeface="Nirmala UI"/>
-        <a:font script="Tale" typeface="Microsoft Tai Le"/>
-        <a:font script="Talu" typeface="Microsoft New Tai Lue"/>
-        <a:font script="Tfng" typeface="Ebrima"/>
       </a:majorFont>
       <a:minorFont>
         <a:latin typeface="Calibri" panose="020F0502020204030204"/>
@@ -6034,26 +5696,9 @@
         <a:font script="Viet" typeface="Arial"/>
         <a:font script="Uigh" typeface="Microsoft Uighur"/>
         <a:font script="Geor" typeface="Sylfaen"/>
-        <a:font script="Armn" typeface="Arial"/>
-        <a:font script="Bugi" typeface="Leelawadee UI"/>
-        <a:font script="Bopo" typeface="Microsoft JhengHei"/>
-        <a:font script="Java" typeface="Javanese Text"/>
-        <a:font script="Lisu" typeface="Segoe UI"/>
-        <a:font script="Mymr" typeface="Myanmar Text"/>
-        <a:font script="Nkoo" typeface="Ebrima"/>
-        <a:font script="Olck" typeface="Nirmala UI"/>
-        <a:font script="Osma" typeface="Ebrima"/>
-        <a:font script="Phag" typeface="Phagspa"/>
-        <a:font script="Syrn" typeface="Estrangelo Edessa"/>
-        <a:font script="Syrj" typeface="Estrangelo Edessa"/>
-        <a:font script="Syre" typeface="Estrangelo Edessa"/>
-        <a:font script="Sora" typeface="Nirmala UI"/>
-        <a:font script="Tale" typeface="Microsoft Tai Le"/>
-        <a:font script="Talu" typeface="Microsoft New Tai Lue"/>
-        <a:font script="Tfng" typeface="Ebrima"/>
       </a:minorFont>
     </a:fontScheme>
-    <a:fmtScheme name="Office">
+    <a:fmtScheme name="Office Theme">
       <a:fillStyleLst>
         <a:solidFill>
           <a:schemeClr val="phClr"/>
@@ -6195,7 +5840,7 @@
   <a:extraClrSchemeLst/>
   <a:extLst>
     <a:ext uri="{05A4C25C-085E-4340-85A3-A5531E510DB2}">
-      <thm15:themeFamily xmlns:thm15="http://schemas.microsoft.com/office/thememl/2012/main" name="Office Theme" id="{62F939B6-93AF-4DB8-9C6B-D6C7DFDC589F}" vid="{4A3C46E8-61CC-4603-A589-7422A47A8E4A}"/>
+      <thm15:themeFamily xmlns:thm15="http://schemas.microsoft.com/office/thememl/2012/main" name="Office Theme" id="{62F939B6-93AF-4DB8-9C6B-D6C7DFDC589F}" vid="{4F46216B-77A9-411A-B9D3-5023FCB70208}"/>
     </a:ext>
   </a:extLst>
 </a:theme>
